--- a/plantillaspowerbi.pptx
+++ b/plantillaspowerbi.pptx
@@ -118,7 +118,7 @@
 <file path=ppt/revisionInfo.xml><?xml version="1.0" encoding="utf-8"?>
 <p1510:revInfo xmlns:a="http://schemas.openxmlformats.org/drawingml/2006/main" xmlns:r="http://schemas.openxmlformats.org/officeDocument/2006/relationships" xmlns:p1510="http://schemas.microsoft.com/office/powerpoint/2015/10/main">
   <p1510:revLst>
-    <p1510:client id="{6A552A3F-E89E-4D71-A4E4-61FFB918EDDF}" v="28" dt="2026-02-23T02:02:06.237"/>
+    <p1510:client id="{6A552A3F-E89E-4D71-A4E4-61FFB918EDDF}" v="33" dt="2026-02-24T03:04:47.599"/>
   </p1510:revLst>
 </p1510:revInfo>
 </file>
@@ -128,12 +128,12 @@
   <pc:docChgLst>
     <pc:chgData name="Edith Rincon" userId="12bd49978ae318a8" providerId="LiveId" clId="{C046D085-153D-4B69-9BA6-FEDEE1D6C548}"/>
     <pc:docChg chg="undo custSel addSld delSld modSld sldOrd">
-      <pc:chgData name="Edith Rincon" userId="12bd49978ae318a8" providerId="LiveId" clId="{C046D085-153D-4B69-9BA6-FEDEE1D6C548}" dt="2026-02-23T02:02:12.851" v="224" actId="14100"/>
+      <pc:chgData name="Edith Rincon" userId="12bd49978ae318a8" providerId="LiveId" clId="{C046D085-153D-4B69-9BA6-FEDEE1D6C548}" dt="2026-02-24T03:05:13.210" v="297" actId="1076"/>
       <pc:docMkLst>
         <pc:docMk/>
       </pc:docMkLst>
       <pc:sldChg chg="addSp delSp modSp mod">
-        <pc:chgData name="Edith Rincon" userId="12bd49978ae318a8" providerId="LiveId" clId="{C046D085-153D-4B69-9BA6-FEDEE1D6C548}" dt="2026-02-23T01:50:04.278" v="95" actId="1076"/>
+        <pc:chgData name="Edith Rincon" userId="12bd49978ae318a8" providerId="LiveId" clId="{C046D085-153D-4B69-9BA6-FEDEE1D6C548}" dt="2026-02-23T21:54:50.133" v="274" actId="1076"/>
         <pc:sldMkLst>
           <pc:docMk/>
           <pc:sldMk cId="1057686860" sldId="256"/>
@@ -264,6 +264,22 @@
             <pc:docMk/>
             <pc:sldMk cId="1057686860" sldId="256"/>
             <ac:picMk id="31" creationId="{DB0C3DAD-7417-BFBB-2EB3-31A1D00802D1}"/>
+          </ac:picMkLst>
+        </pc:picChg>
+        <pc:picChg chg="add mod">
+          <ac:chgData name="Edith Rincon" userId="12bd49978ae318a8" providerId="LiveId" clId="{C046D085-153D-4B69-9BA6-FEDEE1D6C548}" dt="2026-02-23T14:40:37.996" v="231" actId="14100"/>
+          <ac:picMkLst>
+            <pc:docMk/>
+            <pc:sldMk cId="1057686860" sldId="256"/>
+            <ac:picMk id="33" creationId="{A80703ED-E879-DB1D-F776-84677C4F96BE}"/>
+          </ac:picMkLst>
+        </pc:picChg>
+        <pc:picChg chg="add mod">
+          <ac:chgData name="Edith Rincon" userId="12bd49978ae318a8" providerId="LiveId" clId="{C046D085-153D-4B69-9BA6-FEDEE1D6C548}" dt="2026-02-23T21:54:50.133" v="274" actId="1076"/>
+          <ac:picMkLst>
+            <pc:docMk/>
+            <pc:sldMk cId="1057686860" sldId="256"/>
+            <ac:picMk id="35" creationId="{31BDBC04-B09C-30E9-507F-01DBF6FA4CA2}"/>
           </ac:picMkLst>
         </pc:picChg>
       </pc:sldChg>
@@ -606,11 +622,19 @@
         </pc:picChg>
       </pc:sldChg>
       <pc:sldChg chg="addSp delSp modSp add mod">
-        <pc:chgData name="Edith Rincon" userId="12bd49978ae318a8" providerId="LiveId" clId="{C046D085-153D-4B69-9BA6-FEDEE1D6C548}" dt="2026-02-23T02:00:34.982" v="206"/>
+        <pc:chgData name="Edith Rincon" userId="12bd49978ae318a8" providerId="LiveId" clId="{C046D085-153D-4B69-9BA6-FEDEE1D6C548}" dt="2026-02-23T21:44:10.117" v="232" actId="1076"/>
         <pc:sldMkLst>
           <pc:docMk/>
           <pc:sldMk cId="307562641" sldId="272"/>
         </pc:sldMkLst>
+        <pc:spChg chg="mod">
+          <ac:chgData name="Edith Rincon" userId="12bd49978ae318a8" providerId="LiveId" clId="{C046D085-153D-4B69-9BA6-FEDEE1D6C548}" dt="2026-02-23T21:44:10.117" v="232" actId="1076"/>
+          <ac:spMkLst>
+            <pc:docMk/>
+            <pc:sldMk cId="307562641" sldId="272"/>
+            <ac:spMk id="6" creationId="{F0BAEE07-CAD6-A16C-B964-B3E4A4847BBA}"/>
+          </ac:spMkLst>
+        </pc:spChg>
         <pc:picChg chg="add mod">
           <ac:chgData name="Edith Rincon" userId="12bd49978ae318a8" providerId="LiveId" clId="{C046D085-153D-4B69-9BA6-FEDEE1D6C548}" dt="2026-02-23T01:59:54.724" v="196" actId="14100"/>
           <ac:picMkLst>
@@ -730,11 +754,67 @@
         </pc:sldMkLst>
       </pc:sldChg>
       <pc:sldChg chg="addSp delSp modSp add mod">
-        <pc:chgData name="Edith Rincon" userId="12bd49978ae318a8" providerId="LiveId" clId="{C046D085-153D-4B69-9BA6-FEDEE1D6C548}" dt="2026-02-23T02:02:12.851" v="224" actId="14100"/>
+        <pc:chgData name="Edith Rincon" userId="12bd49978ae318a8" providerId="LiveId" clId="{C046D085-153D-4B69-9BA6-FEDEE1D6C548}" dt="2026-02-24T03:05:13.210" v="297" actId="1076"/>
         <pc:sldMkLst>
           <pc:docMk/>
           <pc:sldMk cId="651295698" sldId="276"/>
         </pc:sldMkLst>
+        <pc:spChg chg="mod">
+          <ac:chgData name="Edith Rincon" userId="12bd49978ae318a8" providerId="LiveId" clId="{C046D085-153D-4B69-9BA6-FEDEE1D6C548}" dt="2026-02-23T21:49:16.845" v="262" actId="14100"/>
+          <ac:spMkLst>
+            <pc:docMk/>
+            <pc:sldMk cId="651295698" sldId="276"/>
+            <ac:spMk id="2" creationId="{17638912-F5F8-B2B0-BD43-F6E9DADA540C}"/>
+          </ac:spMkLst>
+        </pc:spChg>
+        <pc:spChg chg="mod">
+          <ac:chgData name="Edith Rincon" userId="12bd49978ae318a8" providerId="LiveId" clId="{C046D085-153D-4B69-9BA6-FEDEE1D6C548}" dt="2026-02-23T21:48:25.083" v="249" actId="14100"/>
+          <ac:spMkLst>
+            <pc:docMk/>
+            <pc:sldMk cId="651295698" sldId="276"/>
+            <ac:spMk id="5" creationId="{3C276E41-A01B-9D8A-249A-D986190AAE89}"/>
+          </ac:spMkLst>
+        </pc:spChg>
+        <pc:spChg chg="del mod">
+          <ac:chgData name="Edith Rincon" userId="12bd49978ae318a8" providerId="LiveId" clId="{C046D085-153D-4B69-9BA6-FEDEE1D6C548}" dt="2026-02-23T21:48:54.306" v="258" actId="478"/>
+          <ac:spMkLst>
+            <pc:docMk/>
+            <pc:sldMk cId="651295698" sldId="276"/>
+            <ac:spMk id="6" creationId="{566535A4-9382-2359-5232-111A97442382}"/>
+          </ac:spMkLst>
+        </pc:spChg>
+        <pc:spChg chg="mod">
+          <ac:chgData name="Edith Rincon" userId="12bd49978ae318a8" providerId="LiveId" clId="{C046D085-153D-4B69-9BA6-FEDEE1D6C548}" dt="2026-02-24T03:04:14.117" v="281" actId="14100"/>
+          <ac:spMkLst>
+            <pc:docMk/>
+            <pc:sldMk cId="651295698" sldId="276"/>
+            <ac:spMk id="7" creationId="{3F8F1D67-7521-618A-208B-F5802D52069A}"/>
+          </ac:spMkLst>
+        </pc:spChg>
+        <pc:spChg chg="add del mod">
+          <ac:chgData name="Edith Rincon" userId="12bd49978ae318a8" providerId="LiveId" clId="{C046D085-153D-4B69-9BA6-FEDEE1D6C548}" dt="2026-02-23T21:48:42.274" v="254" actId="478"/>
+          <ac:spMkLst>
+            <pc:docMk/>
+            <pc:sldMk cId="651295698" sldId="276"/>
+            <ac:spMk id="11" creationId="{E0655A54-5B89-A130-C19B-7C8D853365AB}"/>
+          </ac:spMkLst>
+        </pc:spChg>
+        <pc:spChg chg="add mod">
+          <ac:chgData name="Edith Rincon" userId="12bd49978ae318a8" providerId="LiveId" clId="{C046D085-153D-4B69-9BA6-FEDEE1D6C548}" dt="2026-02-24T03:04:01.920" v="278" actId="14100"/>
+          <ac:spMkLst>
+            <pc:docMk/>
+            <pc:sldMk cId="651295698" sldId="276"/>
+            <ac:spMk id="13" creationId="{63E547BD-FBEB-A818-7531-A85CB46F1951}"/>
+          </ac:spMkLst>
+        </pc:spChg>
+        <pc:spChg chg="add mod">
+          <ac:chgData name="Edith Rincon" userId="12bd49978ae318a8" providerId="LiveId" clId="{C046D085-153D-4B69-9BA6-FEDEE1D6C548}" dt="2026-02-24T03:04:16.989" v="282" actId="14100"/>
+          <ac:spMkLst>
+            <pc:docMk/>
+            <pc:sldMk cId="651295698" sldId="276"/>
+            <ac:spMk id="16" creationId="{C29A4B23-0C52-2E09-C45E-62837C288041}"/>
+          </ac:spMkLst>
+        </pc:spChg>
         <pc:picChg chg="del">
           <ac:chgData name="Edith Rincon" userId="12bd49978ae318a8" providerId="LiveId" clId="{C046D085-153D-4B69-9BA6-FEDEE1D6C548}" dt="2026-02-23T02:02:05.848" v="222" actId="478"/>
           <ac:picMkLst>
@@ -743,8 +823,16 @@
             <ac:picMk id="3" creationId="{47658E2B-A799-995D-DFBE-C78A78C2F43C}"/>
           </ac:picMkLst>
         </pc:picChg>
-        <pc:picChg chg="add mod">
-          <ac:chgData name="Edith Rincon" userId="12bd49978ae318a8" providerId="LiveId" clId="{C046D085-153D-4B69-9BA6-FEDEE1D6C548}" dt="2026-02-23T02:01:52.389" v="220" actId="1076"/>
+        <pc:picChg chg="mod">
+          <ac:chgData name="Edith Rincon" userId="12bd49978ae318a8" providerId="LiveId" clId="{C046D085-153D-4B69-9BA6-FEDEE1D6C548}" dt="2026-02-23T21:49:40.588" v="271" actId="1076"/>
+          <ac:picMkLst>
+            <pc:docMk/>
+            <pc:sldMk cId="651295698" sldId="276"/>
+            <ac:picMk id="8" creationId="{D9F8A775-F904-7718-7E0C-FFB2FBA0060F}"/>
+          </ac:picMkLst>
+        </pc:picChg>
+        <pc:picChg chg="add del mod">
+          <ac:chgData name="Edith Rincon" userId="12bd49978ae318a8" providerId="LiveId" clId="{C046D085-153D-4B69-9BA6-FEDEE1D6C548}" dt="2026-02-24T03:04:28.926" v="283" actId="478"/>
           <ac:picMkLst>
             <pc:docMk/>
             <pc:sldMk cId="651295698" sldId="276"/>
@@ -752,11 +840,19 @@
           </ac:picMkLst>
         </pc:picChg>
         <pc:picChg chg="add mod">
-          <ac:chgData name="Edith Rincon" userId="12bd49978ae318a8" providerId="LiveId" clId="{C046D085-153D-4B69-9BA6-FEDEE1D6C548}" dt="2026-02-23T02:02:12.851" v="224" actId="14100"/>
+          <ac:chgData name="Edith Rincon" userId="12bd49978ae318a8" providerId="LiveId" clId="{C046D085-153D-4B69-9BA6-FEDEE1D6C548}" dt="2026-02-23T21:49:39.382" v="270" actId="1076"/>
           <ac:picMkLst>
             <pc:docMk/>
             <pc:sldMk cId="651295698" sldId="276"/>
             <ac:picMk id="10" creationId="{F024AC96-8A4E-D8A2-1784-188D55F77E7A}"/>
+          </ac:picMkLst>
+        </pc:picChg>
+        <pc:picChg chg="del mod">
+          <ac:chgData name="Edith Rincon" userId="12bd49978ae318a8" providerId="LiveId" clId="{C046D085-153D-4B69-9BA6-FEDEE1D6C548}" dt="2026-02-24T03:04:47.225" v="287" actId="478"/>
+          <ac:picMkLst>
+            <pc:docMk/>
+            <pc:sldMk cId="651295698" sldId="276"/>
+            <ac:picMk id="12" creationId="{D75EA30C-3364-D06E-BCC5-3C96DC065859}"/>
           </ac:picMkLst>
         </pc:picChg>
         <pc:picChg chg="del">
@@ -765,6 +861,30 @@
             <pc:docMk/>
             <pc:sldMk cId="651295698" sldId="276"/>
             <ac:picMk id="14" creationId="{2A22200B-C42B-D58C-665B-4724BE3DB561}"/>
+          </ac:picMkLst>
+        </pc:picChg>
+        <pc:picChg chg="mod">
+          <ac:chgData name="Edith Rincon" userId="12bd49978ae318a8" providerId="LiveId" clId="{C046D085-153D-4B69-9BA6-FEDEE1D6C548}" dt="2026-02-23T21:48:10.692" v="245" actId="1076"/>
+          <ac:picMkLst>
+            <pc:docMk/>
+            <pc:sldMk cId="651295698" sldId="276"/>
+            <ac:picMk id="15" creationId="{6C1DDB61-1011-0689-3047-E2314A707118}"/>
+          </ac:picMkLst>
+        </pc:picChg>
+        <pc:picChg chg="add mod">
+          <ac:chgData name="Edith Rincon" userId="12bd49978ae318a8" providerId="LiveId" clId="{C046D085-153D-4B69-9BA6-FEDEE1D6C548}" dt="2026-02-24T03:04:34.030" v="286" actId="1076"/>
+          <ac:picMkLst>
+            <pc:docMk/>
+            <pc:sldMk cId="651295698" sldId="276"/>
+            <ac:picMk id="17" creationId="{E57D1A24-35E4-7C04-0EF5-62CB8EC4D844}"/>
+          </ac:picMkLst>
+        </pc:picChg>
+        <pc:picChg chg="add mod">
+          <ac:chgData name="Edith Rincon" userId="12bd49978ae318a8" providerId="LiveId" clId="{C046D085-153D-4B69-9BA6-FEDEE1D6C548}" dt="2026-02-24T03:05:13.210" v="297" actId="1076"/>
+          <ac:picMkLst>
+            <pc:docMk/>
+            <pc:sldMk cId="651295698" sldId="276"/>
+            <ac:picMk id="18" creationId="{B45DE3DF-CB89-F040-6C47-9555C78025CA}"/>
           </ac:picMkLst>
         </pc:picChg>
       </pc:sldChg>
@@ -4248,6 +4368,66 @@
           </a:prstGeom>
         </p:spPr>
       </p:pic>
+      <p:pic>
+        <p:nvPicPr>
+          <p:cNvPr id="33" name="Picture 32">
+            <a:extLst>
+              <a:ext uri="{FF2B5EF4-FFF2-40B4-BE49-F238E27FC236}">
+                <a16:creationId xmlns:a16="http://schemas.microsoft.com/office/drawing/2014/main" id="{A80703ED-E879-DB1D-F776-84677C4F96BE}"/>
+              </a:ext>
+            </a:extLst>
+          </p:cNvPr>
+          <p:cNvPicPr>
+            <a:picLocks noChangeAspect="1"/>
+          </p:cNvPicPr>
+          <p:nvPr/>
+        </p:nvPicPr>
+        <p:blipFill>
+          <a:blip r:embed="rId10"/>
+          <a:stretch>
+            <a:fillRect/>
+          </a:stretch>
+        </p:blipFill>
+        <p:spPr>
+          <a:xfrm>
+            <a:off x="8183595" y="2627334"/>
+            <a:ext cx="683904" cy="683904"/>
+          </a:xfrm>
+          <a:prstGeom prst="rect">
+            <a:avLst/>
+          </a:prstGeom>
+        </p:spPr>
+      </p:pic>
+      <p:pic>
+        <p:nvPicPr>
+          <p:cNvPr id="35" name="Picture 34">
+            <a:extLst>
+              <a:ext uri="{FF2B5EF4-FFF2-40B4-BE49-F238E27FC236}">
+                <a16:creationId xmlns:a16="http://schemas.microsoft.com/office/drawing/2014/main" id="{31BDBC04-B09C-30E9-507F-01DBF6FA4CA2}"/>
+              </a:ext>
+            </a:extLst>
+          </p:cNvPr>
+          <p:cNvPicPr>
+            <a:picLocks noChangeAspect="1"/>
+          </p:cNvPicPr>
+          <p:nvPr/>
+        </p:nvPicPr>
+        <p:blipFill>
+          <a:blip r:embed="rId11"/>
+          <a:stretch>
+            <a:fillRect/>
+          </a:stretch>
+        </p:blipFill>
+        <p:spPr>
+          <a:xfrm>
+            <a:off x="7377025" y="4180935"/>
+            <a:ext cx="806570" cy="806570"/>
+          </a:xfrm>
+          <a:prstGeom prst="rect">
+            <a:avLst/>
+          </a:prstGeom>
+        </p:spPr>
+      </p:pic>
     </p:spTree>
     <p:extLst>
       <p:ext uri="{BB962C8B-B14F-4D97-AF65-F5344CB8AC3E}">
@@ -6263,7 +6443,7 @@
         </p:nvSpPr>
         <p:spPr>
           <a:xfrm>
-            <a:off x="560438" y="1281770"/>
+            <a:off x="608929" y="1281770"/>
             <a:ext cx="5487071" cy="2533146"/>
           </a:xfrm>
           <a:prstGeom prst="rect">
@@ -7683,8 +7863,8 @@
         </p:nvSpPr>
         <p:spPr>
           <a:xfrm>
-            <a:off x="4197927" y="427033"/>
-            <a:ext cx="7453299" cy="786581"/>
+            <a:off x="3841368" y="152963"/>
+            <a:ext cx="8011325" cy="786581"/>
           </a:xfrm>
           <a:prstGeom prst="rect">
             <a:avLst/>
@@ -7730,10 +7910,10 @@
       </p:sp>
       <p:sp>
         <p:nvSpPr>
-          <p:cNvPr id="6" name="Rectangle 5">
-            <a:extLst>
-              <a:ext uri="{FF2B5EF4-FFF2-40B4-BE49-F238E27FC236}">
-                <a16:creationId xmlns:a16="http://schemas.microsoft.com/office/drawing/2014/main" id="{566535A4-9382-2359-5232-111A97442382}"/>
+          <p:cNvPr id="7" name="Rectangle 6">
+            <a:extLst>
+              <a:ext uri="{FF2B5EF4-FFF2-40B4-BE49-F238E27FC236}">
+                <a16:creationId xmlns:a16="http://schemas.microsoft.com/office/drawing/2014/main" id="{3F8F1D67-7521-618A-208B-F5802D52069A}"/>
               </a:ext>
             </a:extLst>
           </p:cNvPr>
@@ -7742,8 +7922,8 @@
         </p:nvSpPr>
         <p:spPr>
           <a:xfrm>
-            <a:off x="560440" y="3027218"/>
-            <a:ext cx="5369306" cy="3346542"/>
+            <a:off x="6337540" y="3411139"/>
+            <a:ext cx="5515153" cy="3293898"/>
           </a:xfrm>
           <a:prstGeom prst="rect">
             <a:avLst/>
@@ -7787,12 +7967,48 @@
           </a:p>
         </p:txBody>
       </p:sp>
-      <p:sp>
-        <p:nvSpPr>
-          <p:cNvPr id="7" name="Rectangle 6">
-            <a:extLst>
-              <a:ext uri="{FF2B5EF4-FFF2-40B4-BE49-F238E27FC236}">
-                <a16:creationId xmlns:a16="http://schemas.microsoft.com/office/drawing/2014/main" id="{3F8F1D67-7521-618A-208B-F5802D52069A}"/>
+      <p:pic>
+        <p:nvPicPr>
+          <p:cNvPr id="15" name="Picture 14">
+            <a:extLst>
+              <a:ext uri="{FF2B5EF4-FFF2-40B4-BE49-F238E27FC236}">
+                <a16:creationId xmlns:a16="http://schemas.microsoft.com/office/drawing/2014/main" id="{6C1DDB61-1011-0689-3047-E2314A707118}"/>
+              </a:ext>
+            </a:extLst>
+          </p:cNvPr>
+          <p:cNvPicPr>
+            <a:picLocks noChangeAspect="1"/>
+          </p:cNvPicPr>
+          <p:nvPr/>
+        </p:nvPicPr>
+        <p:blipFill>
+          <a:blip r:embed="rId2">
+            <a:extLst>
+              <a:ext uri="{28A0092B-C50C-407E-A947-70E740481C1C}">
+                <a14:useLocalDpi xmlns:a14="http://schemas.microsoft.com/office/drawing/2010/main" val="0"/>
+              </a:ext>
+            </a:extLst>
+          </a:blip>
+          <a:stretch>
+            <a:fillRect/>
+          </a:stretch>
+        </p:blipFill>
+        <p:spPr>
+          <a:xfrm>
+            <a:off x="9443148" y="269926"/>
+            <a:ext cx="1771663" cy="428628"/>
+          </a:xfrm>
+          <a:prstGeom prst="rect">
+            <a:avLst/>
+          </a:prstGeom>
+        </p:spPr>
+      </p:pic>
+      <p:sp>
+        <p:nvSpPr>
+          <p:cNvPr id="2" name="Rectangle 1">
+            <a:extLst>
+              <a:ext uri="{FF2B5EF4-FFF2-40B4-BE49-F238E27FC236}">
+                <a16:creationId xmlns:a16="http://schemas.microsoft.com/office/drawing/2014/main" id="{17638912-F5F8-B2B0-BD43-F6E9DADA540C}"/>
               </a:ext>
             </a:extLst>
           </p:cNvPr>
@@ -7801,8 +8017,8 @@
         </p:nvSpPr>
         <p:spPr>
           <a:xfrm>
-            <a:off x="6158345" y="3027218"/>
-            <a:ext cx="5473215" cy="3346542"/>
+            <a:off x="339306" y="1039207"/>
+            <a:ext cx="5814201" cy="1819012"/>
           </a:xfrm>
           <a:prstGeom prst="rect">
             <a:avLst/>
@@ -7848,10 +8064,10 @@
       </p:sp>
       <p:pic>
         <p:nvPicPr>
-          <p:cNvPr id="12" name="Picture 11">
-            <a:extLst>
-              <a:ext uri="{FF2B5EF4-FFF2-40B4-BE49-F238E27FC236}">
-                <a16:creationId xmlns:a16="http://schemas.microsoft.com/office/drawing/2014/main" id="{D75EA30C-3364-D06E-BCC5-3C96DC065859}"/>
+          <p:cNvPr id="8" name="Picture 7">
+            <a:extLst>
+              <a:ext uri="{FF2B5EF4-FFF2-40B4-BE49-F238E27FC236}">
+                <a16:creationId xmlns:a16="http://schemas.microsoft.com/office/drawing/2014/main" id="{D9F8A775-F904-7718-7E0C-FFB2FBA0060F}"/>
               </a:ext>
             </a:extLst>
           </p:cNvPr>
@@ -7861,15 +8077,15 @@
           <p:nvPr/>
         </p:nvPicPr>
         <p:blipFill>
-          <a:blip r:embed="rId2"/>
+          <a:blip r:embed="rId3"/>
           <a:stretch>
             <a:fillRect/>
           </a:stretch>
         </p:blipFill>
         <p:spPr>
           <a:xfrm>
-            <a:off x="1545249" y="474408"/>
-            <a:ext cx="602225" cy="602225"/>
+            <a:off x="2965086" y="179830"/>
+            <a:ext cx="658091" cy="658091"/>
           </a:xfrm>
           <a:prstGeom prst="rect">
             <a:avLst/>
@@ -7878,10 +8094,10 @@
       </p:pic>
       <p:pic>
         <p:nvPicPr>
-          <p:cNvPr id="15" name="Picture 14">
-            <a:extLst>
-              <a:ext uri="{FF2B5EF4-FFF2-40B4-BE49-F238E27FC236}">
-                <a16:creationId xmlns:a16="http://schemas.microsoft.com/office/drawing/2014/main" id="{6C1DDB61-1011-0689-3047-E2314A707118}"/>
+          <p:cNvPr id="10" name="Picture 9">
+            <a:extLst>
+              <a:ext uri="{FF2B5EF4-FFF2-40B4-BE49-F238E27FC236}">
+                <a16:creationId xmlns:a16="http://schemas.microsoft.com/office/drawing/2014/main" id="{F024AC96-8A4E-D8A2-1784-188D55F77E7A}"/>
               </a:ext>
             </a:extLst>
           </p:cNvPr>
@@ -7891,21 +8107,15 @@
           <p:nvPr/>
         </p:nvPicPr>
         <p:blipFill>
-          <a:blip r:embed="rId3">
-            <a:extLst>
-              <a:ext uri="{28A0092B-C50C-407E-A947-70E740481C1C}">
-                <a14:useLocalDpi xmlns:a14="http://schemas.microsoft.com/office/drawing/2010/main" val="0"/>
-              </a:ext>
-            </a:extLst>
-          </a:blip>
+          <a:blip r:embed="rId4"/>
           <a:stretch>
             <a:fillRect/>
           </a:stretch>
         </p:blipFill>
         <p:spPr>
           <a:xfrm>
-            <a:off x="9678937" y="561205"/>
-            <a:ext cx="1771663" cy="428628"/>
+            <a:off x="2048550" y="190558"/>
+            <a:ext cx="658091" cy="658091"/>
           </a:xfrm>
           <a:prstGeom prst="rect">
             <a:avLst/>
@@ -7914,10 +8124,10 @@
       </p:pic>
       <p:sp>
         <p:nvSpPr>
-          <p:cNvPr id="2" name="Rectangle 1">
-            <a:extLst>
-              <a:ext uri="{FF2B5EF4-FFF2-40B4-BE49-F238E27FC236}">
-                <a16:creationId xmlns:a16="http://schemas.microsoft.com/office/drawing/2014/main" id="{17638912-F5F8-B2B0-BD43-F6E9DADA540C}"/>
+          <p:cNvPr id="13" name="Rectangle 12">
+            <a:extLst>
+              <a:ext uri="{FF2B5EF4-FFF2-40B4-BE49-F238E27FC236}">
+                <a16:creationId xmlns:a16="http://schemas.microsoft.com/office/drawing/2014/main" id="{63E547BD-FBEB-A818-7531-A85CB46F1951}"/>
               </a:ext>
             </a:extLst>
           </p:cNvPr>
@@ -7926,8 +8136,8 @@
         </p:nvSpPr>
         <p:spPr>
           <a:xfrm>
-            <a:off x="550607" y="1298065"/>
-            <a:ext cx="11090786" cy="1575037"/>
+            <a:off x="6337540" y="1056507"/>
+            <a:ext cx="5515153" cy="2237669"/>
           </a:xfrm>
           <a:prstGeom prst="rect">
             <a:avLst/>
@@ -7971,42 +8181,71 @@
           </a:p>
         </p:txBody>
       </p:sp>
+      <p:sp>
+        <p:nvSpPr>
+          <p:cNvPr id="16" name="Rectangle 15">
+            <a:extLst>
+              <a:ext uri="{FF2B5EF4-FFF2-40B4-BE49-F238E27FC236}">
+                <a16:creationId xmlns:a16="http://schemas.microsoft.com/office/drawing/2014/main" id="{C29A4B23-0C52-2E09-C45E-62837C288041}"/>
+              </a:ext>
+            </a:extLst>
+          </p:cNvPr>
+          <p:cNvSpPr/>
+          <p:nvPr/>
+        </p:nvSpPr>
+        <p:spPr>
+          <a:xfrm>
+            <a:off x="339307" y="2957882"/>
+            <a:ext cx="5814202" cy="3720288"/>
+          </a:xfrm>
+          <a:prstGeom prst="rect">
+            <a:avLst/>
+          </a:prstGeom>
+          <a:solidFill>
+            <a:schemeClr val="bg1"/>
+          </a:solidFill>
+          <a:ln>
+            <a:noFill/>
+          </a:ln>
+          <a:effectLst>
+            <a:outerShdw blurRad="50800" dist="38100" dir="2700000" algn="tl" rotWithShape="0">
+              <a:prstClr val="black">
+                <a:alpha val="20000"/>
+              </a:prstClr>
+            </a:outerShdw>
+          </a:effectLst>
+        </p:spPr>
+        <p:style>
+          <a:lnRef idx="2">
+            <a:schemeClr val="accent1">
+              <a:shade val="50000"/>
+            </a:schemeClr>
+          </a:lnRef>
+          <a:fillRef idx="1">
+            <a:schemeClr val="accent1"/>
+          </a:fillRef>
+          <a:effectRef idx="0">
+            <a:schemeClr val="accent1"/>
+          </a:effectRef>
+          <a:fontRef idx="minor">
+            <a:schemeClr val="lt1"/>
+          </a:fontRef>
+        </p:style>
+        <p:txBody>
+          <a:bodyPr rtlCol="0" anchor="ctr"/>
+          <a:lstStyle/>
+          <a:p>
+            <a:pPr algn="ctr"/>
+            <a:endParaRPr lang="en-US"/>
+          </a:p>
+        </p:txBody>
+      </p:sp>
       <p:pic>
         <p:nvPicPr>
-          <p:cNvPr id="8" name="Picture 7">
-            <a:extLst>
-              <a:ext uri="{FF2B5EF4-FFF2-40B4-BE49-F238E27FC236}">
-                <a16:creationId xmlns:a16="http://schemas.microsoft.com/office/drawing/2014/main" id="{D9F8A775-F904-7718-7E0C-FFB2FBA0060F}"/>
-              </a:ext>
-            </a:extLst>
-          </p:cNvPr>
-          <p:cNvPicPr>
-            <a:picLocks noChangeAspect="1"/>
-          </p:cNvPicPr>
-          <p:nvPr/>
-        </p:nvPicPr>
-        <p:blipFill>
-          <a:blip r:embed="rId4"/>
-          <a:stretch>
-            <a:fillRect/>
-          </a:stretch>
-        </p:blipFill>
-        <p:spPr>
-          <a:xfrm>
-            <a:off x="3311306" y="449268"/>
-            <a:ext cx="658091" cy="658091"/>
-          </a:xfrm>
-          <a:prstGeom prst="rect">
-            <a:avLst/>
-          </a:prstGeom>
-        </p:spPr>
-      </p:pic>
-      <p:pic>
-        <p:nvPicPr>
-          <p:cNvPr id="9" name="Picture 8">
-            <a:extLst>
-              <a:ext uri="{FF2B5EF4-FFF2-40B4-BE49-F238E27FC236}">
-                <a16:creationId xmlns:a16="http://schemas.microsoft.com/office/drawing/2014/main" id="{85E937B7-7A68-B8E9-9343-1D500BB70685}"/>
+          <p:cNvPr id="17" name="Picture 16">
+            <a:extLst>
+              <a:ext uri="{FF2B5EF4-FFF2-40B4-BE49-F238E27FC236}">
+                <a16:creationId xmlns:a16="http://schemas.microsoft.com/office/drawing/2014/main" id="{E57D1A24-35E4-7C04-0EF5-62CB8EC4D844}"/>
               </a:ext>
             </a:extLst>
           </p:cNvPr>
@@ -8023,8 +8262,8 @@
         </p:blipFill>
         <p:spPr>
           <a:xfrm>
-            <a:off x="479635" y="327370"/>
-            <a:ext cx="886244" cy="886244"/>
+            <a:off x="317406" y="110354"/>
+            <a:ext cx="775854" cy="775854"/>
           </a:xfrm>
           <a:prstGeom prst="rect">
             <a:avLst/>
@@ -8033,10 +8272,10 @@
       </p:pic>
       <p:pic>
         <p:nvPicPr>
-          <p:cNvPr id="10" name="Picture 9">
-            <a:extLst>
-              <a:ext uri="{FF2B5EF4-FFF2-40B4-BE49-F238E27FC236}">
-                <a16:creationId xmlns:a16="http://schemas.microsoft.com/office/drawing/2014/main" id="{F024AC96-8A4E-D8A2-1784-188D55F77E7A}"/>
+          <p:cNvPr id="18" name="Picture 17">
+            <a:extLst>
+              <a:ext uri="{FF2B5EF4-FFF2-40B4-BE49-F238E27FC236}">
+                <a16:creationId xmlns:a16="http://schemas.microsoft.com/office/drawing/2014/main" id="{B45DE3DF-CB89-F040-6C47-9555C78025CA}"/>
               </a:ext>
             </a:extLst>
           </p:cNvPr>
@@ -8053,8 +8292,8 @@
         </p:blipFill>
         <p:spPr>
           <a:xfrm>
-            <a:off x="2364353" y="466027"/>
-            <a:ext cx="658091" cy="658091"/>
+            <a:off x="1165681" y="147178"/>
+            <a:ext cx="664678" cy="664678"/>
           </a:xfrm>
           <a:prstGeom prst="rect">
             <a:avLst/>
